--- a/images.pptx
+++ b/images.pptx
@@ -2961,30 +2961,6 @@
       </p:sp>
       <p:pic>
         <p:nvPicPr>
-          <p:cNvPr id="5" name="Picture 4" descr="image(1)"/>
-          <p:cNvPicPr>
-            <a:picLocks noChangeAspect="1"/>
-          </p:cNvPicPr>
-          <p:nvPr/>
-        </p:nvPicPr>
-        <p:blipFill>
-          <a:blip r:embed="rId1"/>
-          <a:stretch>
-            <a:fillRect/>
-          </a:stretch>
-        </p:blipFill>
-        <p:spPr>
-          <a:xfrm>
-            <a:off x="1066800" y="600075"/>
-            <a:ext cx="10058400" cy="5657850"/>
-          </a:xfrm>
-          <a:prstGeom prst="rect">
-            <a:avLst/>
-          </a:prstGeom>
-        </p:spPr>
-      </p:pic>
-      <p:pic>
-        <p:nvPicPr>
           <p:cNvPr id="6" name="Picture 5" descr="image"/>
           <p:cNvPicPr>
             <a:picLocks noChangeAspect="1"/>
@@ -2999,8 +2975,32 @@
         </p:blipFill>
         <p:spPr>
           <a:xfrm>
-            <a:off x="1066800" y="600075"/>
+            <a:off x="1066800" y="492760"/>
             <a:ext cx="10058400" cy="5657850"/>
+          </a:xfrm>
+          <a:prstGeom prst="rect">
+            <a:avLst/>
+          </a:prstGeom>
+        </p:spPr>
+      </p:pic>
+      <p:pic>
+        <p:nvPicPr>
+          <p:cNvPr id="7" name="Picture 6"/>
+          <p:cNvPicPr>
+            <a:picLocks noChangeAspect="1"/>
+          </p:cNvPicPr>
+          <p:nvPr/>
+        </p:nvPicPr>
+        <p:blipFill>
+          <a:blip r:embed="rId2"/>
+          <a:stretch>
+            <a:fillRect/>
+          </a:stretch>
+        </p:blipFill>
+        <p:spPr>
+          <a:xfrm>
+            <a:off x="-1219200" y="-685800"/>
+            <a:ext cx="14630400" cy="8229600"/>
           </a:xfrm>
           <a:prstGeom prst="rect">
             <a:avLst/>
